--- a/ApplicationSet.pptx
+++ b/ApplicationSet.pptx
@@ -10,10 +10,15 @@
     <p:sldId id="257" r:id="rId4"/>
     <p:sldId id="258" r:id="rId5"/>
     <p:sldId id="260" r:id="rId6"/>
-    <p:sldId id="261" r:id="rId7"/>
-    <p:sldId id="262" r:id="rId8"/>
-    <p:sldId id="263" r:id="rId9"/>
-    <p:sldId id="264" r:id="rId10"/>
+    <p:sldId id="265" r:id="rId7"/>
+    <p:sldId id="266" r:id="rId8"/>
+    <p:sldId id="267" r:id="rId9"/>
+    <p:sldId id="268" r:id="rId10"/>
+    <p:sldId id="269" r:id="rId11"/>
+    <p:sldId id="261" r:id="rId12"/>
+    <p:sldId id="262" r:id="rId13"/>
+    <p:sldId id="263" r:id="rId14"/>
+    <p:sldId id="264" r:id="rId15"/>
   </p:sldIdLst>
   <p:sldSz cx="12192000" cy="6858000"/>
   <p:notesSz cx="6858000" cy="9144000"/>
@@ -269,7 +274,7 @@
           <a:p>
             <a:fld id="{357848D3-F065-40F1-848B-D62F26AE4977}" type="datetimeFigureOut">
               <a:rPr lang="en-IN" smtClean="0"/>
-              <a:t>17-06-2024</a:t>
+              <a:t>18-06-2024</a:t>
             </a:fld>
             <a:endParaRPr lang="en-IN"/>
           </a:p>
@@ -469,7 +474,7 @@
           <a:p>
             <a:fld id="{357848D3-F065-40F1-848B-D62F26AE4977}" type="datetimeFigureOut">
               <a:rPr lang="en-IN" smtClean="0"/>
-              <a:t>17-06-2024</a:t>
+              <a:t>18-06-2024</a:t>
             </a:fld>
             <a:endParaRPr lang="en-IN"/>
           </a:p>
@@ -679,7 +684,7 @@
           <a:p>
             <a:fld id="{357848D3-F065-40F1-848B-D62F26AE4977}" type="datetimeFigureOut">
               <a:rPr lang="en-IN" smtClean="0"/>
-              <a:t>17-06-2024</a:t>
+              <a:t>18-06-2024</a:t>
             </a:fld>
             <a:endParaRPr lang="en-IN"/>
           </a:p>
@@ -879,7 +884,7 @@
           <a:p>
             <a:fld id="{357848D3-F065-40F1-848B-D62F26AE4977}" type="datetimeFigureOut">
               <a:rPr lang="en-IN" smtClean="0"/>
-              <a:t>17-06-2024</a:t>
+              <a:t>18-06-2024</a:t>
             </a:fld>
             <a:endParaRPr lang="en-IN"/>
           </a:p>
@@ -1155,7 +1160,7 @@
           <a:p>
             <a:fld id="{357848D3-F065-40F1-848B-D62F26AE4977}" type="datetimeFigureOut">
               <a:rPr lang="en-IN" smtClean="0"/>
-              <a:t>17-06-2024</a:t>
+              <a:t>18-06-2024</a:t>
             </a:fld>
             <a:endParaRPr lang="en-IN"/>
           </a:p>
@@ -1423,7 +1428,7 @@
           <a:p>
             <a:fld id="{357848D3-F065-40F1-848B-D62F26AE4977}" type="datetimeFigureOut">
               <a:rPr lang="en-IN" smtClean="0"/>
-              <a:t>17-06-2024</a:t>
+              <a:t>18-06-2024</a:t>
             </a:fld>
             <a:endParaRPr lang="en-IN"/>
           </a:p>
@@ -1838,7 +1843,7 @@
           <a:p>
             <a:fld id="{357848D3-F065-40F1-848B-D62F26AE4977}" type="datetimeFigureOut">
               <a:rPr lang="en-IN" smtClean="0"/>
-              <a:t>17-06-2024</a:t>
+              <a:t>18-06-2024</a:t>
             </a:fld>
             <a:endParaRPr lang="en-IN"/>
           </a:p>
@@ -1980,7 +1985,7 @@
           <a:p>
             <a:fld id="{357848D3-F065-40F1-848B-D62F26AE4977}" type="datetimeFigureOut">
               <a:rPr lang="en-IN" smtClean="0"/>
-              <a:t>17-06-2024</a:t>
+              <a:t>18-06-2024</a:t>
             </a:fld>
             <a:endParaRPr lang="en-IN"/>
           </a:p>
@@ -2093,7 +2098,7 @@
           <a:p>
             <a:fld id="{357848D3-F065-40F1-848B-D62F26AE4977}" type="datetimeFigureOut">
               <a:rPr lang="en-IN" smtClean="0"/>
-              <a:t>17-06-2024</a:t>
+              <a:t>18-06-2024</a:t>
             </a:fld>
             <a:endParaRPr lang="en-IN"/>
           </a:p>
@@ -2406,7 +2411,7 @@
           <a:p>
             <a:fld id="{357848D3-F065-40F1-848B-D62F26AE4977}" type="datetimeFigureOut">
               <a:rPr lang="en-IN" smtClean="0"/>
-              <a:t>17-06-2024</a:t>
+              <a:t>18-06-2024</a:t>
             </a:fld>
             <a:endParaRPr lang="en-IN"/>
           </a:p>
@@ -2695,7 +2700,7 @@
           <a:p>
             <a:fld id="{357848D3-F065-40F1-848B-D62F26AE4977}" type="datetimeFigureOut">
               <a:rPr lang="en-IN" smtClean="0"/>
-              <a:t>17-06-2024</a:t>
+              <a:t>18-06-2024</a:t>
             </a:fld>
             <a:endParaRPr lang="en-IN"/>
           </a:p>
@@ -2938,7 +2943,7 @@
           <a:p>
             <a:fld id="{357848D3-F065-40F1-848B-D62F26AE4977}" type="datetimeFigureOut">
               <a:rPr lang="en-IN" smtClean="0"/>
-              <a:t>17-06-2024</a:t>
+              <a:t>18-06-2024</a:t>
             </a:fld>
             <a:endParaRPr lang="en-IN"/>
           </a:p>
@@ -3424,6 +3429,1002 @@
 </p:sld>
 </file>
 
+<file path=ppt/slides/slide10.xml><?xml version="1.0" encoding="utf-8"?>
+<p:sld xmlns:a="http://schemas.openxmlformats.org/drawingml/2006/main" xmlns:r="http://schemas.openxmlformats.org/officeDocument/2006/relationships" xmlns:p="http://schemas.openxmlformats.org/presentationml/2006/main">
+  <p:cSld>
+    <p:spTree>
+      <p:nvGrpSpPr>
+        <p:cNvPr id="1" name=""/>
+        <p:cNvGrpSpPr/>
+        <p:nvPr/>
+      </p:nvGrpSpPr>
+      <p:grpSpPr>
+        <a:xfrm>
+          <a:off x="0" y="0"/>
+          <a:ext cx="0" cy="0"/>
+          <a:chOff x="0" y="0"/>
+          <a:chExt cx="0" cy="0"/>
+        </a:xfrm>
+      </p:grpSpPr>
+      <p:sp>
+        <p:nvSpPr>
+          <p:cNvPr id="2" name="Title 1">
+            <a:extLst>
+              <a:ext uri="{FF2B5EF4-FFF2-40B4-BE49-F238E27FC236}">
+                <a16:creationId xmlns:a16="http://schemas.microsoft.com/office/drawing/2014/main" id="{C2E2C797-E061-D138-5331-BB4DB94CDEDE}"/>
+              </a:ext>
+            </a:extLst>
+          </p:cNvPr>
+          <p:cNvSpPr>
+            <a:spLocks noGrp="1"/>
+          </p:cNvSpPr>
+          <p:nvPr>
+            <p:ph type="title"/>
+          </p:nvPr>
+        </p:nvSpPr>
+        <p:spPr/>
+        <p:txBody>
+          <a:bodyPr/>
+          <a:lstStyle/>
+          <a:p>
+            <a:r>
+              <a:rPr lang="en-IN" dirty="0"/>
+              <a:t>Cluster Generators</a:t>
+            </a:r>
+          </a:p>
+        </p:txBody>
+      </p:sp>
+      <p:sp>
+        <p:nvSpPr>
+          <p:cNvPr id="3" name="Content Placeholder 2">
+            <a:extLst>
+              <a:ext uri="{FF2B5EF4-FFF2-40B4-BE49-F238E27FC236}">
+                <a16:creationId xmlns:a16="http://schemas.microsoft.com/office/drawing/2014/main" id="{C8CABC29-AB1E-4143-1EFA-E76AC23CADE7}"/>
+              </a:ext>
+            </a:extLst>
+          </p:cNvPr>
+          <p:cNvSpPr>
+            <a:spLocks noGrp="1"/>
+          </p:cNvSpPr>
+          <p:nvPr>
+            <p:ph idx="1"/>
+          </p:nvPr>
+        </p:nvSpPr>
+        <p:spPr/>
+        <p:txBody>
+          <a:bodyPr>
+            <a:normAutofit fontScale="77500" lnSpcReduction="20000"/>
+          </a:bodyPr>
+          <a:lstStyle/>
+          <a:p>
+            <a:pPr marL="0" indent="0">
+              <a:buNone/>
+            </a:pPr>
+            <a:r>
+              <a:rPr lang="en-IN" dirty="0" err="1"/>
+              <a:t>apiVersion</a:t>
+            </a:r>
+            <a:r>
+              <a:rPr lang="en-IN" dirty="0"/>
+              <a:t>: argoproj.io/v1alpha1</a:t>
+            </a:r>
+          </a:p>
+          <a:p>
+            <a:pPr marL="0" indent="0">
+              <a:buNone/>
+            </a:pPr>
+            <a:r>
+              <a:rPr lang="en-IN" dirty="0"/>
+              <a:t>kind: </a:t>
+            </a:r>
+            <a:r>
+              <a:rPr lang="en-IN" dirty="0" err="1"/>
+              <a:t>ApplicationSet</a:t>
+            </a:r>
+            <a:endParaRPr lang="en-IN" dirty="0"/>
+          </a:p>
+          <a:p>
+            <a:pPr marL="0" indent="0">
+              <a:buNone/>
+            </a:pPr>
+            <a:r>
+              <a:rPr lang="en-IN" dirty="0"/>
+              <a:t>metadata:</a:t>
+            </a:r>
+          </a:p>
+          <a:p>
+            <a:pPr marL="0" indent="0">
+              <a:buNone/>
+            </a:pPr>
+            <a:r>
+              <a:rPr lang="en-IN" dirty="0"/>
+              <a:t>  name: guestbook</a:t>
+            </a:r>
+          </a:p>
+          <a:p>
+            <a:pPr marL="0" indent="0">
+              <a:buNone/>
+            </a:pPr>
+            <a:r>
+              <a:rPr lang="en-IN" dirty="0"/>
+              <a:t>spec:</a:t>
+            </a:r>
+          </a:p>
+          <a:p>
+            <a:pPr marL="0" indent="0">
+              <a:buNone/>
+            </a:pPr>
+            <a:r>
+              <a:rPr lang="en-IN" dirty="0"/>
+              <a:t>  </a:t>
+            </a:r>
+            <a:r>
+              <a:rPr lang="en-IN" dirty="0" err="1"/>
+              <a:t>goTemplate</a:t>
+            </a:r>
+            <a:r>
+              <a:rPr lang="en-IN" dirty="0"/>
+              <a:t>: true</a:t>
+            </a:r>
+          </a:p>
+          <a:p>
+            <a:pPr marL="0" indent="0">
+              <a:buNone/>
+            </a:pPr>
+            <a:r>
+              <a:rPr lang="en-IN" dirty="0"/>
+              <a:t>  </a:t>
+            </a:r>
+            <a:r>
+              <a:rPr lang="en-IN" dirty="0" err="1"/>
+              <a:t>goTemplateOptions</a:t>
+            </a:r>
+            <a:r>
+              <a:rPr lang="en-IN" dirty="0"/>
+              <a:t>: ["</a:t>
+            </a:r>
+            <a:r>
+              <a:rPr lang="en-IN" dirty="0" err="1"/>
+              <a:t>missingkey</a:t>
+            </a:r>
+            <a:r>
+              <a:rPr lang="en-IN" dirty="0"/>
+              <a:t>=error"]</a:t>
+            </a:r>
+          </a:p>
+          <a:p>
+            <a:pPr marL="0" indent="0">
+              <a:buNone/>
+            </a:pPr>
+            <a:r>
+              <a:rPr lang="en-IN" dirty="0"/>
+              <a:t>  generators:</a:t>
+            </a:r>
+          </a:p>
+          <a:p>
+            <a:pPr marL="0" indent="0">
+              <a:buNone/>
+            </a:pPr>
+            <a:r>
+              <a:rPr lang="en-IN" dirty="0"/>
+              <a:t>  - clusters:</a:t>
+            </a:r>
+          </a:p>
+          <a:p>
+            <a:pPr marL="0" indent="0">
+              <a:buNone/>
+            </a:pPr>
+            <a:r>
+              <a:rPr lang="en-IN" dirty="0"/>
+              <a:t>      selector:</a:t>
+            </a:r>
+          </a:p>
+          <a:p>
+            <a:pPr marL="0" indent="0">
+              <a:buNone/>
+            </a:pPr>
+            <a:r>
+              <a:rPr lang="en-IN" dirty="0"/>
+              <a:t>        </a:t>
+            </a:r>
+            <a:r>
+              <a:rPr lang="en-IN" dirty="0" err="1"/>
+              <a:t>matchLabels</a:t>
+            </a:r>
+            <a:r>
+              <a:rPr lang="en-IN" dirty="0"/>
+              <a:t>:</a:t>
+            </a:r>
+          </a:p>
+          <a:p>
+            <a:pPr marL="0" indent="0">
+              <a:buNone/>
+            </a:pPr>
+            <a:r>
+              <a:rPr lang="en-IN" dirty="0"/>
+              <a:t>          staging: "true"</a:t>
+            </a:r>
+          </a:p>
+        </p:txBody>
+      </p:sp>
+    </p:spTree>
+    <p:extLst>
+      <p:ext uri="{BB962C8B-B14F-4D97-AF65-F5344CB8AC3E}">
+        <p14:creationId xmlns:p14="http://schemas.microsoft.com/office/powerpoint/2010/main" val="4238394663"/>
+      </p:ext>
+    </p:extLst>
+  </p:cSld>
+  <p:clrMapOvr>
+    <a:masterClrMapping/>
+  </p:clrMapOvr>
+</p:sld>
+</file>
+
+<file path=ppt/slides/slide11.xml><?xml version="1.0" encoding="utf-8"?>
+<p:sld xmlns:a="http://schemas.openxmlformats.org/drawingml/2006/main" xmlns:r="http://schemas.openxmlformats.org/officeDocument/2006/relationships" xmlns:p="http://schemas.openxmlformats.org/presentationml/2006/main">
+  <p:cSld>
+    <p:spTree>
+      <p:nvGrpSpPr>
+        <p:cNvPr id="1" name=""/>
+        <p:cNvGrpSpPr/>
+        <p:nvPr/>
+      </p:nvGrpSpPr>
+      <p:grpSpPr>
+        <a:xfrm>
+          <a:off x="0" y="0"/>
+          <a:ext cx="0" cy="0"/>
+          <a:chOff x="0" y="0"/>
+          <a:chExt cx="0" cy="0"/>
+        </a:xfrm>
+      </p:grpSpPr>
+      <p:sp>
+        <p:nvSpPr>
+          <p:cNvPr id="2" name="Title 1">
+            <a:extLst>
+              <a:ext uri="{FF2B5EF4-FFF2-40B4-BE49-F238E27FC236}">
+                <a16:creationId xmlns:a16="http://schemas.microsoft.com/office/drawing/2014/main" id="{F3A7B3B2-34F2-8DC5-FA23-CCC17E9ECE79}"/>
+              </a:ext>
+            </a:extLst>
+          </p:cNvPr>
+          <p:cNvSpPr>
+            <a:spLocks noGrp="1"/>
+          </p:cNvSpPr>
+          <p:nvPr>
+            <p:ph type="title"/>
+          </p:nvPr>
+        </p:nvSpPr>
+        <p:spPr/>
+        <p:txBody>
+          <a:bodyPr/>
+          <a:lstStyle/>
+          <a:p>
+            <a:r>
+              <a:rPr lang="en-IN" dirty="0"/>
+              <a:t>.</a:t>
+            </a:r>
+            <a:r>
+              <a:rPr lang="en-IN" dirty="0" err="1"/>
+              <a:t>spec.template</a:t>
+            </a:r>
+            <a:endParaRPr lang="en-IN" dirty="0"/>
+          </a:p>
+        </p:txBody>
+      </p:sp>
+      <p:sp>
+        <p:nvSpPr>
+          <p:cNvPr id="3" name="Content Placeholder 2">
+            <a:extLst>
+              <a:ext uri="{FF2B5EF4-FFF2-40B4-BE49-F238E27FC236}">
+                <a16:creationId xmlns:a16="http://schemas.microsoft.com/office/drawing/2014/main" id="{CC390AEA-C317-2204-510A-A3190FFCF0CC}"/>
+              </a:ext>
+            </a:extLst>
+          </p:cNvPr>
+          <p:cNvSpPr>
+            <a:spLocks noGrp="1"/>
+          </p:cNvSpPr>
+          <p:nvPr>
+            <p:ph idx="1"/>
+          </p:nvPr>
+        </p:nvSpPr>
+        <p:spPr/>
+        <p:txBody>
+          <a:bodyPr>
+            <a:normAutofit fontScale="77500" lnSpcReduction="20000"/>
+          </a:bodyPr>
+          <a:lstStyle/>
+          <a:p>
+            <a:pPr marL="0" indent="0">
+              <a:buNone/>
+            </a:pPr>
+            <a:r>
+              <a:rPr lang="en-IN" dirty="0"/>
+              <a:t> template:</a:t>
+            </a:r>
+          </a:p>
+          <a:p>
+            <a:pPr marL="0" indent="0">
+              <a:buNone/>
+            </a:pPr>
+            <a:r>
+              <a:rPr lang="en-IN" dirty="0"/>
+              <a:t>    metadata:</a:t>
+            </a:r>
+          </a:p>
+          <a:p>
+            <a:pPr marL="0" indent="0">
+              <a:buNone/>
+            </a:pPr>
+            <a:r>
+              <a:rPr lang="en-IN" dirty="0"/>
+              <a:t>      name: '{{cluster}}-app'</a:t>
+            </a:r>
+          </a:p>
+          <a:p>
+            <a:pPr marL="0" indent="0">
+              <a:buNone/>
+            </a:pPr>
+            <a:r>
+              <a:rPr lang="en-IN" dirty="0"/>
+              <a:t>    spec:</a:t>
+            </a:r>
+          </a:p>
+          <a:p>
+            <a:pPr marL="0" indent="0">
+              <a:buNone/>
+            </a:pPr>
+            <a:r>
+              <a:rPr lang="en-IN" dirty="0"/>
+              <a:t>      project: default</a:t>
+            </a:r>
+          </a:p>
+          <a:p>
+            <a:pPr marL="0" indent="0">
+              <a:buNone/>
+            </a:pPr>
+            <a:r>
+              <a:rPr lang="en-IN" dirty="0"/>
+              <a:t>      source:</a:t>
+            </a:r>
+          </a:p>
+          <a:p>
+            <a:pPr marL="0" indent="0">
+              <a:buNone/>
+            </a:pPr>
+            <a:r>
+              <a:rPr lang="en-IN" dirty="0"/>
+              <a:t>        </a:t>
+            </a:r>
+            <a:r>
+              <a:rPr lang="en-IN" dirty="0" err="1"/>
+              <a:t>repoURL</a:t>
+            </a:r>
+            <a:r>
+              <a:rPr lang="en-IN" dirty="0"/>
+              <a:t>: https://github.com/your-org/your-repo</a:t>
+            </a:r>
+          </a:p>
+          <a:p>
+            <a:pPr marL="0" indent="0">
+              <a:buNone/>
+            </a:pPr>
+            <a:r>
+              <a:rPr lang="en-IN" dirty="0"/>
+              <a:t>        </a:t>
+            </a:r>
+            <a:r>
+              <a:rPr lang="en-IN" dirty="0" err="1"/>
+              <a:t>targetRevision</a:t>
+            </a:r>
+            <a:r>
+              <a:rPr lang="en-IN" dirty="0"/>
+              <a:t>: main</a:t>
+            </a:r>
+          </a:p>
+          <a:p>
+            <a:pPr marL="0" indent="0">
+              <a:buNone/>
+            </a:pPr>
+            <a:r>
+              <a:rPr lang="en-IN" dirty="0"/>
+              <a:t>        path: apps/{{cluster}}</a:t>
+            </a:r>
+          </a:p>
+          <a:p>
+            <a:pPr marL="0" indent="0">
+              <a:buNone/>
+            </a:pPr>
+            <a:r>
+              <a:rPr lang="en-IN" dirty="0"/>
+              <a:t>      destination:</a:t>
+            </a:r>
+          </a:p>
+          <a:p>
+            <a:pPr marL="0" indent="0">
+              <a:buNone/>
+            </a:pPr>
+            <a:r>
+              <a:rPr lang="en-IN" dirty="0"/>
+              <a:t>        server: '{{</a:t>
+            </a:r>
+            <a:r>
+              <a:rPr lang="en-IN" dirty="0" err="1"/>
+              <a:t>url</a:t>
+            </a:r>
+            <a:r>
+              <a:rPr lang="en-IN" dirty="0"/>
+              <a:t>}}'</a:t>
+            </a:r>
+          </a:p>
+          <a:p>
+            <a:pPr marL="0" indent="0">
+              <a:buNone/>
+            </a:pPr>
+            <a:r>
+              <a:rPr lang="en-IN" dirty="0"/>
+              <a:t>        namespace: default</a:t>
+            </a:r>
+          </a:p>
+        </p:txBody>
+      </p:sp>
+    </p:spTree>
+    <p:extLst>
+      <p:ext uri="{BB962C8B-B14F-4D97-AF65-F5344CB8AC3E}">
+        <p14:creationId xmlns:p14="http://schemas.microsoft.com/office/powerpoint/2010/main" val="2524993579"/>
+      </p:ext>
+    </p:extLst>
+  </p:cSld>
+  <p:clrMapOvr>
+    <a:masterClrMapping/>
+  </p:clrMapOvr>
+</p:sld>
+</file>
+
+<file path=ppt/slides/slide12.xml><?xml version="1.0" encoding="utf-8"?>
+<p:sld xmlns:a="http://schemas.openxmlformats.org/drawingml/2006/main" xmlns:r="http://schemas.openxmlformats.org/officeDocument/2006/relationships" xmlns:p="http://schemas.openxmlformats.org/presentationml/2006/main">
+  <p:cSld>
+    <p:spTree>
+      <p:nvGrpSpPr>
+        <p:cNvPr id="1" name=""/>
+        <p:cNvGrpSpPr/>
+        <p:nvPr/>
+      </p:nvGrpSpPr>
+      <p:grpSpPr>
+        <a:xfrm>
+          <a:off x="0" y="0"/>
+          <a:ext cx="0" cy="0"/>
+          <a:chOff x="0" y="0"/>
+          <a:chExt cx="0" cy="0"/>
+        </a:xfrm>
+      </p:grpSpPr>
+      <p:sp>
+        <p:nvSpPr>
+          <p:cNvPr id="2" name="Title 1">
+            <a:extLst>
+              <a:ext uri="{FF2B5EF4-FFF2-40B4-BE49-F238E27FC236}">
+                <a16:creationId xmlns:a16="http://schemas.microsoft.com/office/drawing/2014/main" id="{0B11B6CB-15DD-5C27-2732-D458226BD743}"/>
+              </a:ext>
+            </a:extLst>
+          </p:cNvPr>
+          <p:cNvSpPr>
+            <a:spLocks noGrp="1"/>
+          </p:cNvSpPr>
+          <p:nvPr>
+            <p:ph type="title"/>
+          </p:nvPr>
+        </p:nvSpPr>
+        <p:spPr/>
+        <p:txBody>
+          <a:bodyPr/>
+          <a:lstStyle/>
+          <a:p>
+            <a:r>
+              <a:rPr lang="en-IN" dirty="0"/>
+              <a:t>Git generators</a:t>
+            </a:r>
+          </a:p>
+        </p:txBody>
+      </p:sp>
+      <p:sp>
+        <p:nvSpPr>
+          <p:cNvPr id="3" name="Content Placeholder 2">
+            <a:extLst>
+              <a:ext uri="{FF2B5EF4-FFF2-40B4-BE49-F238E27FC236}">
+                <a16:creationId xmlns:a16="http://schemas.microsoft.com/office/drawing/2014/main" id="{A5388744-BDF1-E8D3-17CE-1E1E839A02C6}"/>
+              </a:ext>
+            </a:extLst>
+          </p:cNvPr>
+          <p:cNvSpPr>
+            <a:spLocks noGrp="1"/>
+          </p:cNvSpPr>
+          <p:nvPr>
+            <p:ph idx="1"/>
+          </p:nvPr>
+        </p:nvSpPr>
+        <p:spPr/>
+        <p:txBody>
+          <a:bodyPr>
+            <a:normAutofit fontScale="55000" lnSpcReduction="20000"/>
+          </a:bodyPr>
+          <a:lstStyle/>
+          <a:p>
+            <a:pPr marL="0" indent="0">
+              <a:buNone/>
+            </a:pPr>
+            <a:r>
+              <a:rPr lang="en-IN" dirty="0"/>
+              <a:t>generators:</a:t>
+            </a:r>
+          </a:p>
+          <a:p>
+            <a:pPr marL="0" indent="0">
+              <a:buNone/>
+            </a:pPr>
+            <a:r>
+              <a:rPr lang="en-IN" dirty="0"/>
+              <a:t>    - git:</a:t>
+            </a:r>
+          </a:p>
+          <a:p>
+            <a:pPr marL="0" indent="0">
+              <a:buNone/>
+            </a:pPr>
+            <a:r>
+              <a:rPr lang="en-IN" dirty="0"/>
+              <a:t>        </a:t>
+            </a:r>
+            <a:r>
+              <a:rPr lang="en-IN" dirty="0" err="1"/>
+              <a:t>repoURL</a:t>
+            </a:r>
+            <a:r>
+              <a:rPr lang="en-IN" dirty="0"/>
+              <a:t>: 'https://github.com/your-org/your-</a:t>
+            </a:r>
+            <a:r>
+              <a:rPr lang="en-IN" dirty="0" err="1"/>
+              <a:t>repo.git</a:t>
+            </a:r>
+            <a:r>
+              <a:rPr lang="en-IN" dirty="0"/>
+              <a:t>'</a:t>
+            </a:r>
+          </a:p>
+          <a:p>
+            <a:pPr marL="0" indent="0">
+              <a:buNone/>
+            </a:pPr>
+            <a:r>
+              <a:rPr lang="en-IN" dirty="0"/>
+              <a:t>        revision: main</a:t>
+            </a:r>
+          </a:p>
+          <a:p>
+            <a:pPr marL="0" indent="0">
+              <a:buNone/>
+            </a:pPr>
+            <a:r>
+              <a:rPr lang="en-IN" dirty="0"/>
+              <a:t>        directories:</a:t>
+            </a:r>
+          </a:p>
+          <a:p>
+            <a:pPr marL="0" indent="0">
+              <a:buNone/>
+            </a:pPr>
+            <a:r>
+              <a:rPr lang="en-IN" dirty="0"/>
+              <a:t>          - path: 'environments/*'</a:t>
+            </a:r>
+          </a:p>
+          <a:p>
+            <a:pPr marL="0" indent="0">
+              <a:buNone/>
+            </a:pPr>
+            <a:r>
+              <a:rPr lang="en-IN" dirty="0"/>
+              <a:t>  template:</a:t>
+            </a:r>
+          </a:p>
+          <a:p>
+            <a:pPr marL="0" indent="0">
+              <a:buNone/>
+            </a:pPr>
+            <a:r>
+              <a:rPr lang="en-IN" dirty="0"/>
+              <a:t>    metadata:</a:t>
+            </a:r>
+          </a:p>
+          <a:p>
+            <a:pPr marL="0" indent="0">
+              <a:buNone/>
+            </a:pPr>
+            <a:r>
+              <a:rPr lang="en-IN" dirty="0"/>
+              <a:t>      name: '{{</a:t>
+            </a:r>
+            <a:r>
+              <a:rPr lang="en-IN" dirty="0" err="1"/>
+              <a:t>path.basename</a:t>
+            </a:r>
+            <a:r>
+              <a:rPr lang="en-IN" dirty="0"/>
+              <a:t>}}-app'</a:t>
+            </a:r>
+          </a:p>
+          <a:p>
+            <a:pPr marL="0" indent="0">
+              <a:buNone/>
+            </a:pPr>
+            <a:r>
+              <a:rPr lang="en-IN" dirty="0"/>
+              <a:t>    spec:</a:t>
+            </a:r>
+          </a:p>
+          <a:p>
+            <a:pPr marL="0" indent="0">
+              <a:buNone/>
+            </a:pPr>
+            <a:r>
+              <a:rPr lang="en-IN" dirty="0"/>
+              <a:t>      project: default</a:t>
+            </a:r>
+          </a:p>
+          <a:p>
+            <a:pPr marL="0" indent="0">
+              <a:buNone/>
+            </a:pPr>
+            <a:r>
+              <a:rPr lang="en-IN" dirty="0"/>
+              <a:t>      source:</a:t>
+            </a:r>
+          </a:p>
+          <a:p>
+            <a:pPr marL="0" indent="0">
+              <a:buNone/>
+            </a:pPr>
+            <a:r>
+              <a:rPr lang="en-IN" dirty="0"/>
+              <a:t>        </a:t>
+            </a:r>
+            <a:r>
+              <a:rPr lang="en-IN" dirty="0" err="1"/>
+              <a:t>repoURL</a:t>
+            </a:r>
+            <a:r>
+              <a:rPr lang="en-IN" dirty="0"/>
+              <a:t>: 'https://github.com/your-org/your-repo'</a:t>
+            </a:r>
+          </a:p>
+          <a:p>
+            <a:pPr marL="0" indent="0">
+              <a:buNone/>
+            </a:pPr>
+            <a:r>
+              <a:rPr lang="en-IN" dirty="0"/>
+              <a:t>        </a:t>
+            </a:r>
+            <a:r>
+              <a:rPr lang="en-IN" dirty="0" err="1"/>
+              <a:t>targetRevision</a:t>
+            </a:r>
+            <a:r>
+              <a:rPr lang="en-IN" dirty="0"/>
+              <a:t>: main</a:t>
+            </a:r>
+          </a:p>
+          <a:p>
+            <a:pPr marL="0" indent="0">
+              <a:buNone/>
+            </a:pPr>
+            <a:r>
+              <a:rPr lang="en-IN" dirty="0"/>
+              <a:t>        path: '{{path}}'</a:t>
+            </a:r>
+          </a:p>
+        </p:txBody>
+      </p:sp>
+    </p:spTree>
+    <p:extLst>
+      <p:ext uri="{BB962C8B-B14F-4D97-AF65-F5344CB8AC3E}">
+        <p14:creationId xmlns:p14="http://schemas.microsoft.com/office/powerpoint/2010/main" val="2963170825"/>
+      </p:ext>
+    </p:extLst>
+  </p:cSld>
+  <p:clrMapOvr>
+    <a:masterClrMapping/>
+  </p:clrMapOvr>
+</p:sld>
+</file>
+
+<file path=ppt/slides/slide13.xml><?xml version="1.0" encoding="utf-8"?>
+<p:sld xmlns:a="http://schemas.openxmlformats.org/drawingml/2006/main" xmlns:r="http://schemas.openxmlformats.org/officeDocument/2006/relationships" xmlns:p="http://schemas.openxmlformats.org/presentationml/2006/main">
+  <p:cSld>
+    <p:spTree>
+      <p:nvGrpSpPr>
+        <p:cNvPr id="1" name=""/>
+        <p:cNvGrpSpPr/>
+        <p:nvPr/>
+      </p:nvGrpSpPr>
+      <p:grpSpPr>
+        <a:xfrm>
+          <a:off x="0" y="0"/>
+          <a:ext cx="0" cy="0"/>
+          <a:chOff x="0" y="0"/>
+          <a:chExt cx="0" cy="0"/>
+        </a:xfrm>
+      </p:grpSpPr>
+      <p:sp>
+        <p:nvSpPr>
+          <p:cNvPr id="2" name="Title 1">
+            <a:extLst>
+              <a:ext uri="{FF2B5EF4-FFF2-40B4-BE49-F238E27FC236}">
+                <a16:creationId xmlns:a16="http://schemas.microsoft.com/office/drawing/2014/main" id="{A517D67C-6423-57F3-770F-C26E29F992EC}"/>
+              </a:ext>
+            </a:extLst>
+          </p:cNvPr>
+          <p:cNvSpPr>
+            <a:spLocks noGrp="1"/>
+          </p:cNvSpPr>
+          <p:nvPr>
+            <p:ph type="title"/>
+          </p:nvPr>
+        </p:nvSpPr>
+        <p:spPr/>
+        <p:txBody>
+          <a:bodyPr/>
+          <a:lstStyle/>
+          <a:p>
+            <a:r>
+              <a:rPr lang="en-IN" dirty="0"/>
+              <a:t>Matrix generators</a:t>
+            </a:r>
+          </a:p>
+        </p:txBody>
+      </p:sp>
+      <p:sp>
+        <p:nvSpPr>
+          <p:cNvPr id="3" name="Content Placeholder 2">
+            <a:extLst>
+              <a:ext uri="{FF2B5EF4-FFF2-40B4-BE49-F238E27FC236}">
+                <a16:creationId xmlns:a16="http://schemas.microsoft.com/office/drawing/2014/main" id="{0EBF9141-344C-B43F-1D3F-ACFEE495B02E}"/>
+              </a:ext>
+            </a:extLst>
+          </p:cNvPr>
+          <p:cNvSpPr>
+            <a:spLocks noGrp="1"/>
+          </p:cNvSpPr>
+          <p:nvPr>
+            <p:ph idx="1"/>
+          </p:nvPr>
+        </p:nvSpPr>
+        <p:spPr/>
+        <p:txBody>
+          <a:bodyPr>
+            <a:normAutofit fontScale="77500" lnSpcReduction="20000"/>
+          </a:bodyPr>
+          <a:lstStyle/>
+          <a:p>
+            <a:pPr marL="0" indent="0">
+              <a:buNone/>
+            </a:pPr>
+            <a:r>
+              <a:rPr lang="en-IN" dirty="0"/>
+              <a:t> generators:</a:t>
+            </a:r>
+          </a:p>
+          <a:p>
+            <a:pPr marL="0" indent="0">
+              <a:buNone/>
+            </a:pPr>
+            <a:r>
+              <a:rPr lang="en-IN" dirty="0"/>
+              <a:t>    - list:</a:t>
+            </a:r>
+          </a:p>
+          <a:p>
+            <a:pPr marL="0" indent="0">
+              <a:buNone/>
+            </a:pPr>
+            <a:r>
+              <a:rPr lang="en-IN" dirty="0"/>
+              <a:t>        elements:</a:t>
+            </a:r>
+          </a:p>
+          <a:p>
+            <a:pPr marL="0" indent="0">
+              <a:buNone/>
+            </a:pPr>
+            <a:r>
+              <a:rPr lang="en-IN" dirty="0"/>
+              <a:t>          - cluster: cluster1</a:t>
+            </a:r>
+          </a:p>
+          <a:p>
+            <a:pPr marL="0" indent="0">
+              <a:buNone/>
+            </a:pPr>
+            <a:r>
+              <a:rPr lang="en-IN" dirty="0"/>
+              <a:t>            url: https://cluster1.example.com</a:t>
+            </a:r>
+          </a:p>
+          <a:p>
+            <a:pPr marL="0" indent="0">
+              <a:buNone/>
+            </a:pPr>
+            <a:r>
+              <a:rPr lang="en-IN" dirty="0"/>
+              <a:t>          - cluster: cluster2</a:t>
+            </a:r>
+          </a:p>
+          <a:p>
+            <a:pPr marL="0" indent="0">
+              <a:buNone/>
+            </a:pPr>
+            <a:r>
+              <a:rPr lang="en-IN" dirty="0"/>
+              <a:t>            url: https://cluster2.example.com</a:t>
+            </a:r>
+          </a:p>
+          <a:p>
+            <a:pPr marL="0" indent="0">
+              <a:buNone/>
+            </a:pPr>
+            <a:r>
+              <a:rPr lang="en-IN" dirty="0"/>
+              <a:t>    - git:</a:t>
+            </a:r>
+          </a:p>
+          <a:p>
+            <a:pPr marL="0" indent="0">
+              <a:buNone/>
+            </a:pPr>
+            <a:r>
+              <a:rPr lang="en-IN" dirty="0"/>
+              <a:t>        </a:t>
+            </a:r>
+            <a:r>
+              <a:rPr lang="en-IN" dirty="0" err="1"/>
+              <a:t>repoURL</a:t>
+            </a:r>
+            <a:r>
+              <a:rPr lang="en-IN" dirty="0"/>
+              <a:t>: 'https://github.com/your-org/your-</a:t>
+            </a:r>
+            <a:r>
+              <a:rPr lang="en-IN" dirty="0" err="1"/>
+              <a:t>repo.git</a:t>
+            </a:r>
+            <a:r>
+              <a:rPr lang="en-IN" dirty="0"/>
+              <a:t>'</a:t>
+            </a:r>
+          </a:p>
+          <a:p>
+            <a:pPr marL="0" indent="0">
+              <a:buNone/>
+            </a:pPr>
+            <a:r>
+              <a:rPr lang="en-IN" dirty="0"/>
+              <a:t>        revision: main</a:t>
+            </a:r>
+          </a:p>
+          <a:p>
+            <a:pPr marL="0" indent="0">
+              <a:buNone/>
+            </a:pPr>
+            <a:r>
+              <a:rPr lang="en-IN" dirty="0"/>
+              <a:t>        directories:</a:t>
+            </a:r>
+          </a:p>
+          <a:p>
+            <a:pPr marL="0" indent="0">
+              <a:buNone/>
+            </a:pPr>
+            <a:r>
+              <a:rPr lang="en-IN" dirty="0"/>
+              <a:t>          - path: 'services/*'</a:t>
+            </a:r>
+          </a:p>
+        </p:txBody>
+      </p:sp>
+    </p:spTree>
+    <p:extLst>
+      <p:ext uri="{BB962C8B-B14F-4D97-AF65-F5344CB8AC3E}">
+        <p14:creationId xmlns:p14="http://schemas.microsoft.com/office/powerpoint/2010/main" val="2607755234"/>
+      </p:ext>
+    </p:extLst>
+  </p:cSld>
+  <p:clrMapOvr>
+    <a:masterClrMapping/>
+  </p:clrMapOvr>
+</p:sld>
+</file>
+
+<file path=ppt/slides/slide14.xml><?xml version="1.0" encoding="utf-8"?>
+<p:sld xmlns:a="http://schemas.openxmlformats.org/drawingml/2006/main" xmlns:r="http://schemas.openxmlformats.org/officeDocument/2006/relationships" xmlns:p="http://schemas.openxmlformats.org/presentationml/2006/main">
+  <p:cSld>
+    <p:spTree>
+      <p:nvGrpSpPr>
+        <p:cNvPr id="1" name=""/>
+        <p:cNvGrpSpPr/>
+        <p:nvPr/>
+      </p:nvGrpSpPr>
+      <p:grpSpPr>
+        <a:xfrm>
+          <a:off x="0" y="0"/>
+          <a:ext cx="0" cy="0"/>
+          <a:chOff x="0" y="0"/>
+          <a:chExt cx="0" cy="0"/>
+        </a:xfrm>
+      </p:grpSpPr>
+      <p:sp>
+        <p:nvSpPr>
+          <p:cNvPr id="2" name="Title 1">
+            <a:extLst>
+              <a:ext uri="{FF2B5EF4-FFF2-40B4-BE49-F238E27FC236}">
+                <a16:creationId xmlns:a16="http://schemas.microsoft.com/office/drawing/2014/main" id="{DE11A392-9E92-4A0C-9005-BF0AC2ABDE79}"/>
+              </a:ext>
+            </a:extLst>
+          </p:cNvPr>
+          <p:cNvSpPr>
+            <a:spLocks noGrp="1"/>
+          </p:cNvSpPr>
+          <p:nvPr>
+            <p:ph type="title"/>
+          </p:nvPr>
+        </p:nvSpPr>
+        <p:spPr/>
+        <p:txBody>
+          <a:bodyPr/>
+          <a:lstStyle/>
+          <a:p>
+            <a:r>
+              <a:rPr lang="en-IN" dirty="0"/>
+              <a:t>Labs</a:t>
+            </a:r>
+          </a:p>
+        </p:txBody>
+      </p:sp>
+      <p:sp>
+        <p:nvSpPr>
+          <p:cNvPr id="3" name="Content Placeholder 2">
+            <a:extLst>
+              <a:ext uri="{FF2B5EF4-FFF2-40B4-BE49-F238E27FC236}">
+                <a16:creationId xmlns:a16="http://schemas.microsoft.com/office/drawing/2014/main" id="{88A27183-6D28-A937-C168-F70FC1D6D586}"/>
+              </a:ext>
+            </a:extLst>
+          </p:cNvPr>
+          <p:cNvSpPr>
+            <a:spLocks noGrp="1"/>
+          </p:cNvSpPr>
+          <p:nvPr>
+            <p:ph idx="1"/>
+          </p:nvPr>
+        </p:nvSpPr>
+        <p:spPr/>
+        <p:txBody>
+          <a:bodyPr/>
+          <a:lstStyle/>
+          <a:p>
+            <a:endParaRPr lang="en-IN" dirty="0"/>
+          </a:p>
+        </p:txBody>
+      </p:sp>
+    </p:spTree>
+    <p:extLst>
+      <p:ext uri="{BB962C8B-B14F-4D97-AF65-F5344CB8AC3E}">
+        <p14:creationId xmlns:p14="http://schemas.microsoft.com/office/powerpoint/2010/main" val="4175960029"/>
+      </p:ext>
+    </p:extLst>
+  </p:cSld>
+  <p:clrMapOvr>
+    <a:masterClrMapping/>
+  </p:clrMapOvr>
+</p:sld>
+</file>
+
 <file path=ppt/slides/slide2.xml><?xml version="1.0" encoding="utf-8"?>
 <p:sld xmlns:a="http://schemas.openxmlformats.org/drawingml/2006/main" xmlns:r="http://schemas.openxmlformats.org/officeDocument/2006/relationships" xmlns:p="http://schemas.openxmlformats.org/presentationml/2006/main">
   <p:cSld>
@@ -4067,7 +5068,7 @@
           <p:cNvPr id="2" name="Title 1">
             <a:extLst>
               <a:ext uri="{FF2B5EF4-FFF2-40B4-BE49-F238E27FC236}">
-                <a16:creationId xmlns:a16="http://schemas.microsoft.com/office/drawing/2014/main" id="{F3A7B3B2-34F2-8DC5-FA23-CCC17E9ECE79}"/>
+                <a16:creationId xmlns:a16="http://schemas.microsoft.com/office/drawing/2014/main" id="{24C1B0B0-516C-892D-B4BE-60C3F98D6BF9}"/>
               </a:ext>
             </a:extLst>
           </p:cNvPr>
@@ -4085,13 +5086,8 @@
           <a:p>
             <a:r>
               <a:rPr lang="en-IN" dirty="0"/>
-              <a:t>.</a:t>
-            </a:r>
-            <a:r>
-              <a:rPr lang="en-IN" dirty="0" err="1"/>
-              <a:t>spec.template</a:t>
-            </a:r>
-            <a:endParaRPr lang="en-IN" dirty="0"/>
+              <a:t>How to register a remote cluster</a:t>
+            </a:r>
           </a:p>
         </p:txBody>
       </p:sp>
@@ -4100,7 +5096,7 @@
           <p:cNvPr id="3" name="Content Placeholder 2">
             <a:extLst>
               <a:ext uri="{FF2B5EF4-FFF2-40B4-BE49-F238E27FC236}">
-                <a16:creationId xmlns:a16="http://schemas.microsoft.com/office/drawing/2014/main" id="{CC390AEA-C317-2204-510A-A3190FFCF0CC}"/>
+                <a16:creationId xmlns:a16="http://schemas.microsoft.com/office/drawing/2014/main" id="{D54CB1A0-8F56-9B55-437A-F212920A3EEC}"/>
               </a:ext>
             </a:extLst>
           </p:cNvPr>
@@ -4113,148 +5109,43 @@
         </p:nvSpPr>
         <p:spPr/>
         <p:txBody>
-          <a:bodyPr>
-            <a:normAutofit fontScale="77500" lnSpcReduction="20000"/>
-          </a:bodyPr>
-          <a:lstStyle/>
-          <a:p>
-            <a:pPr marL="0" indent="0">
-              <a:buNone/>
-            </a:pPr>
-            <a:r>
-              <a:rPr lang="en-IN" dirty="0"/>
-              <a:t> template:</a:t>
-            </a:r>
-          </a:p>
-          <a:p>
-            <a:pPr marL="0" indent="0">
-              <a:buNone/>
-            </a:pPr>
-            <a:r>
-              <a:rPr lang="en-IN" dirty="0"/>
-              <a:t>    metadata:</a:t>
-            </a:r>
-          </a:p>
-          <a:p>
-            <a:pPr marL="0" indent="0">
-              <a:buNone/>
-            </a:pPr>
-            <a:r>
-              <a:rPr lang="en-IN" dirty="0"/>
-              <a:t>      name: '{{cluster}}-app'</a:t>
-            </a:r>
-          </a:p>
-          <a:p>
-            <a:pPr marL="0" indent="0">
-              <a:buNone/>
-            </a:pPr>
-            <a:r>
-              <a:rPr lang="en-IN" dirty="0"/>
-              <a:t>    spec:</a:t>
-            </a:r>
-          </a:p>
-          <a:p>
-            <a:pPr marL="0" indent="0">
-              <a:buNone/>
-            </a:pPr>
-            <a:r>
-              <a:rPr lang="en-IN" dirty="0"/>
-              <a:t>      project: default</a:t>
-            </a:r>
-          </a:p>
-          <a:p>
-            <a:pPr marL="0" indent="0">
-              <a:buNone/>
-            </a:pPr>
-            <a:r>
-              <a:rPr lang="en-IN" dirty="0"/>
-              <a:t>      source:</a:t>
-            </a:r>
-          </a:p>
-          <a:p>
-            <a:pPr marL="0" indent="0">
-              <a:buNone/>
-            </a:pPr>
-            <a:r>
-              <a:rPr lang="en-IN" dirty="0"/>
-              <a:t>        </a:t>
-            </a:r>
-            <a:r>
-              <a:rPr lang="en-IN" dirty="0" err="1"/>
-              <a:t>repoURL</a:t>
-            </a:r>
-            <a:r>
-              <a:rPr lang="en-IN" dirty="0"/>
-              <a:t>: https://github.com/your-org/your-repo</a:t>
-            </a:r>
-          </a:p>
-          <a:p>
-            <a:pPr marL="0" indent="0">
-              <a:buNone/>
-            </a:pPr>
-            <a:r>
-              <a:rPr lang="en-IN" dirty="0"/>
-              <a:t>        </a:t>
-            </a:r>
-            <a:r>
-              <a:rPr lang="en-IN" dirty="0" err="1"/>
-              <a:t>targetRevision</a:t>
-            </a:r>
-            <a:r>
-              <a:rPr lang="en-IN" dirty="0"/>
-              <a:t>: main</a:t>
-            </a:r>
-          </a:p>
-          <a:p>
-            <a:pPr marL="0" indent="0">
-              <a:buNone/>
-            </a:pPr>
-            <a:r>
-              <a:rPr lang="en-IN" dirty="0"/>
-              <a:t>        path: apps/{{cluster}}</a:t>
-            </a:r>
-          </a:p>
-          <a:p>
-            <a:pPr marL="0" indent="0">
-              <a:buNone/>
-            </a:pPr>
-            <a:r>
-              <a:rPr lang="en-IN" dirty="0"/>
-              <a:t>      destination:</a:t>
-            </a:r>
-          </a:p>
-          <a:p>
-            <a:pPr marL="0" indent="0">
-              <a:buNone/>
-            </a:pPr>
-            <a:r>
-              <a:rPr lang="en-IN" dirty="0"/>
-              <a:t>        server: '{{</a:t>
-            </a:r>
-            <a:r>
-              <a:rPr lang="en-IN" dirty="0" err="1"/>
-              <a:t>url</a:t>
-            </a:r>
-            <a:r>
-              <a:rPr lang="en-IN" dirty="0"/>
-              <a:t>}}'</a:t>
-            </a:r>
-          </a:p>
-          <a:p>
-            <a:pPr marL="0" indent="0">
-              <a:buNone/>
-            </a:pPr>
-            <a:r>
-              <a:rPr lang="en-IN" dirty="0"/>
-              <a:t>        namespace: default</a:t>
-            </a:r>
+          <a:bodyPr/>
+          <a:lstStyle/>
+          <a:p>
+            <a:r>
+              <a:rPr lang="en-US" dirty="0"/>
+              <a:t>Cluster Registration: </a:t>
+            </a:r>
+            <a:r>
+              <a:rPr lang="en-US" dirty="0">
+                <a:latin typeface="+mj-lt"/>
+              </a:rPr>
+              <a:t>Each Kubernetes cluster that Argo CD manages is registered within Argo CD itself. This registration involves creating a Kubernetes Secret in the Argo CD namespace that contains the necessary configuration details (like API server URL, authentication credentials, etc.) to access the cluster.</a:t>
+            </a:r>
+          </a:p>
+          <a:p>
+            <a:r>
+              <a:rPr lang="en-US" b="1" dirty="0">
+                <a:latin typeface="+mj-lt"/>
+              </a:rPr>
+              <a:t>Centralized Control Plane</a:t>
+            </a:r>
+            <a:r>
+              <a:rPr lang="en-US" dirty="0">
+                <a:latin typeface="+mj-lt"/>
+              </a:rPr>
+              <a:t>: Argo CD operates as a centralized control plane for managing applications deployed across multiple Kubernetes clusters. It has a single instance of its application controller running within its own namespace.</a:t>
+            </a:r>
+            <a:endParaRPr lang="en-IN" dirty="0">
+              <a:latin typeface="+mj-lt"/>
+            </a:endParaRPr>
           </a:p>
         </p:txBody>
       </p:sp>
     </p:spTree>
     <p:extLst>
       <p:ext uri="{BB962C8B-B14F-4D97-AF65-F5344CB8AC3E}">
-        <p14:creationId xmlns:p14="http://schemas.microsoft.com/office/powerpoint/2010/main" val="2524993579"/>
+        <p14:creationId xmlns:p14="http://schemas.microsoft.com/office/powerpoint/2010/main" val="615957978"/>
       </p:ext>
     </p:extLst>
   </p:cSld>
@@ -4286,7 +5177,7 @@
           <p:cNvPr id="2" name="Title 1">
             <a:extLst>
               <a:ext uri="{FF2B5EF4-FFF2-40B4-BE49-F238E27FC236}">
-                <a16:creationId xmlns:a16="http://schemas.microsoft.com/office/drawing/2014/main" id="{0B11B6CB-15DD-5C27-2732-D458226BD743}"/>
+                <a16:creationId xmlns:a16="http://schemas.microsoft.com/office/drawing/2014/main" id="{4AB86B07-0CE4-D066-46E9-3F2A56FAF418}"/>
               </a:ext>
             </a:extLst>
           </p:cNvPr>
@@ -4304,7 +5195,7 @@
           <a:p>
             <a:r>
               <a:rPr lang="en-IN" dirty="0"/>
-              <a:t>Git generators</a:t>
+              <a:t>Steps:</a:t>
             </a:r>
           </a:p>
         </p:txBody>
@@ -4314,7 +5205,7 @@
           <p:cNvPr id="3" name="Content Placeholder 2">
             <a:extLst>
               <a:ext uri="{FF2B5EF4-FFF2-40B4-BE49-F238E27FC236}">
-                <a16:creationId xmlns:a16="http://schemas.microsoft.com/office/drawing/2014/main" id="{A5388744-BDF1-E8D3-17CE-1E1E839A02C6}"/>
+                <a16:creationId xmlns:a16="http://schemas.microsoft.com/office/drawing/2014/main" id="{D2D2126E-8A9E-F662-D291-F899DDA11F15}"/>
               </a:ext>
             </a:extLst>
           </p:cNvPr>
@@ -4328,190 +5219,109 @@
         <p:spPr/>
         <p:txBody>
           <a:bodyPr>
-            <a:normAutofit fontScale="55000" lnSpcReduction="20000"/>
+            <a:normAutofit fontScale="92500" lnSpcReduction="20000"/>
           </a:bodyPr>
           <a:lstStyle/>
           <a:p>
-            <a:pPr marL="0" indent="0">
-              <a:buNone/>
-            </a:pPr>
-            <a:r>
-              <a:rPr lang="en-IN" dirty="0"/>
-              <a:t>generators:</a:t>
-            </a:r>
-          </a:p>
-          <a:p>
-            <a:pPr marL="0" indent="0">
-              <a:buNone/>
-            </a:pPr>
-            <a:r>
-              <a:rPr lang="en-IN" dirty="0"/>
-              <a:t>    - git:</a:t>
-            </a:r>
-          </a:p>
-          <a:p>
-            <a:pPr marL="0" indent="0">
-              <a:buNone/>
-            </a:pPr>
-            <a:r>
-              <a:rPr lang="en-IN" dirty="0"/>
-              <a:t>        </a:t>
-            </a:r>
-            <a:r>
-              <a:rPr lang="en-IN" dirty="0" err="1"/>
-              <a:t>repoURL</a:t>
-            </a:r>
-            <a:r>
-              <a:rPr lang="en-IN" dirty="0"/>
-              <a:t>: 'https://github.com/your-org/your-</a:t>
-            </a:r>
-            <a:r>
-              <a:rPr lang="en-IN" dirty="0" err="1"/>
-              <a:t>repo.git</a:t>
-            </a:r>
-            <a:r>
-              <a:rPr lang="en-IN" dirty="0"/>
-              <a:t>'</a:t>
-            </a:r>
-          </a:p>
-          <a:p>
-            <a:pPr marL="0" indent="0">
-              <a:buNone/>
-            </a:pPr>
-            <a:r>
-              <a:rPr lang="en-IN" dirty="0"/>
-              <a:t>        revision: main</a:t>
-            </a:r>
-          </a:p>
-          <a:p>
-            <a:pPr marL="0" indent="0">
-              <a:buNone/>
-            </a:pPr>
-            <a:r>
-              <a:rPr lang="en-IN" dirty="0"/>
-              <a:t>        directories:</a:t>
-            </a:r>
-          </a:p>
-          <a:p>
-            <a:pPr marL="0" indent="0">
-              <a:buNone/>
-            </a:pPr>
-            <a:r>
-              <a:rPr lang="en-IN" dirty="0"/>
-              <a:t>          - path: 'environments/*'</a:t>
-            </a:r>
-          </a:p>
-          <a:p>
-            <a:pPr marL="0" indent="0">
-              <a:buNone/>
-            </a:pPr>
-            <a:r>
-              <a:rPr lang="en-IN" dirty="0"/>
-              <a:t>  template:</a:t>
-            </a:r>
-          </a:p>
-          <a:p>
-            <a:pPr marL="0" indent="0">
-              <a:buNone/>
-            </a:pPr>
-            <a:r>
-              <a:rPr lang="en-IN" dirty="0"/>
-              <a:t>    metadata:</a:t>
-            </a:r>
-          </a:p>
-          <a:p>
-            <a:pPr marL="0" indent="0">
-              <a:buNone/>
-            </a:pPr>
-            <a:r>
-              <a:rPr lang="en-IN" dirty="0"/>
-              <a:t>      name: '{{</a:t>
-            </a:r>
-            <a:r>
-              <a:rPr lang="en-IN" dirty="0" err="1"/>
-              <a:t>path.basename</a:t>
-            </a:r>
-            <a:r>
-              <a:rPr lang="en-IN" dirty="0"/>
-              <a:t>}}-app'</a:t>
-            </a:r>
-          </a:p>
-          <a:p>
-            <a:pPr marL="0" indent="0">
-              <a:buNone/>
-            </a:pPr>
-            <a:r>
-              <a:rPr lang="en-IN" dirty="0"/>
-              <a:t>    spec:</a:t>
-            </a:r>
-          </a:p>
-          <a:p>
-            <a:pPr marL="0" indent="0">
-              <a:buNone/>
-            </a:pPr>
-            <a:r>
-              <a:rPr lang="en-IN" dirty="0"/>
-              <a:t>      project: default</a:t>
-            </a:r>
-          </a:p>
-          <a:p>
-            <a:pPr marL="0" indent="0">
-              <a:buNone/>
-            </a:pPr>
-            <a:r>
-              <a:rPr lang="en-IN" dirty="0"/>
-              <a:t>      source:</a:t>
-            </a:r>
-          </a:p>
-          <a:p>
-            <a:pPr marL="0" indent="0">
-              <a:buNone/>
-            </a:pPr>
-            <a:r>
-              <a:rPr lang="en-IN" dirty="0"/>
-              <a:t>        </a:t>
-            </a:r>
-            <a:r>
-              <a:rPr lang="en-IN" dirty="0" err="1"/>
-              <a:t>repoURL</a:t>
-            </a:r>
-            <a:r>
-              <a:rPr lang="en-IN" dirty="0"/>
-              <a:t>: 'https://github.com/your-org/your-repo'</a:t>
-            </a:r>
-          </a:p>
-          <a:p>
-            <a:pPr marL="0" indent="0">
-              <a:buNone/>
-            </a:pPr>
-            <a:r>
-              <a:rPr lang="en-IN" dirty="0"/>
-              <a:t>        </a:t>
-            </a:r>
-            <a:r>
-              <a:rPr lang="en-IN" dirty="0" err="1"/>
-              <a:t>targetRevision</a:t>
-            </a:r>
-            <a:r>
-              <a:rPr lang="en-IN" dirty="0"/>
-              <a:t>: main</a:t>
-            </a:r>
-          </a:p>
-          <a:p>
-            <a:pPr marL="0" indent="0">
-              <a:buNone/>
-            </a:pPr>
-            <a:r>
-              <a:rPr lang="en-IN" dirty="0"/>
-              <a:t>        path: '{{path}}'</a:t>
-            </a:r>
+            <a:r>
+              <a:rPr lang="en-US" sz="3200" dirty="0">
+                <a:latin typeface="+mj-lt"/>
+              </a:rPr>
+              <a:t>Cluster credentials are stored in secrets same as repositories or repository credentials. Each secret must have label argocd.argoproj.io/secret-type: cluster.</a:t>
+            </a:r>
+          </a:p>
+          <a:p>
+            <a:r>
+              <a:rPr lang="en-US" sz="3200" dirty="0">
+                <a:latin typeface="+mj-lt"/>
+              </a:rPr>
+              <a:t>The secret data must include following fields:</a:t>
+            </a:r>
+          </a:p>
+          <a:p>
+            <a:pPr lvl="1"/>
+            <a:r>
+              <a:rPr lang="en-US" sz="2800" dirty="0">
+                <a:latin typeface="+mj-lt"/>
+              </a:rPr>
+              <a:t>name - cluster name</a:t>
+            </a:r>
+          </a:p>
+          <a:p>
+            <a:pPr lvl="1"/>
+            <a:r>
+              <a:rPr lang="en-US" sz="2800" dirty="0">
+                <a:latin typeface="+mj-lt"/>
+              </a:rPr>
+              <a:t>server - cluster </a:t>
+            </a:r>
+            <a:r>
+              <a:rPr lang="en-US" sz="2800" dirty="0" err="1">
+                <a:latin typeface="+mj-lt"/>
+              </a:rPr>
+              <a:t>api</a:t>
+            </a:r>
+            <a:r>
+              <a:rPr lang="en-US" sz="2800" dirty="0">
+                <a:latin typeface="+mj-lt"/>
+              </a:rPr>
+              <a:t> server </a:t>
+            </a:r>
+            <a:r>
+              <a:rPr lang="en-US" sz="2800" dirty="0" err="1">
+                <a:latin typeface="+mj-lt"/>
+              </a:rPr>
+              <a:t>url</a:t>
+            </a:r>
+            <a:endParaRPr lang="en-US" sz="2800" dirty="0">
+              <a:latin typeface="+mj-lt"/>
+            </a:endParaRPr>
+          </a:p>
+          <a:p>
+            <a:pPr lvl="1"/>
+            <a:r>
+              <a:rPr lang="en-US" sz="2800" dirty="0">
+                <a:latin typeface="+mj-lt"/>
+              </a:rPr>
+              <a:t>namespaces - optional comma-separated list of namespaces which are accessible in that cluster. Cluster level resources would be ignored if namespace list is not empty.</a:t>
+            </a:r>
+          </a:p>
+          <a:p>
+            <a:pPr lvl="1"/>
+            <a:r>
+              <a:rPr lang="en-US" sz="2800" dirty="0" err="1">
+                <a:latin typeface="+mj-lt"/>
+              </a:rPr>
+              <a:t>clusterResources</a:t>
+            </a:r>
+            <a:r>
+              <a:rPr lang="en-US" sz="2800" dirty="0">
+                <a:latin typeface="+mj-lt"/>
+              </a:rPr>
+              <a:t> - optional </a:t>
+            </a:r>
+            <a:r>
+              <a:rPr lang="en-US" sz="2800" dirty="0" err="1">
+                <a:latin typeface="+mj-lt"/>
+              </a:rPr>
+              <a:t>boolean</a:t>
+            </a:r>
+            <a:r>
+              <a:rPr lang="en-US" sz="2800" dirty="0">
+                <a:latin typeface="+mj-lt"/>
+              </a:rPr>
+              <a:t> string ("true" or "false") determining whether Argo CD can manage cluster-level resources on this cluster. This setting is used only if the list of managed namespaces is not empty.</a:t>
+            </a:r>
+            <a:endParaRPr lang="en-IN" sz="2800" dirty="0">
+              <a:latin typeface="+mj-lt"/>
+            </a:endParaRPr>
           </a:p>
         </p:txBody>
       </p:sp>
     </p:spTree>
     <p:extLst>
       <p:ext uri="{BB962C8B-B14F-4D97-AF65-F5344CB8AC3E}">
-        <p14:creationId xmlns:p14="http://schemas.microsoft.com/office/powerpoint/2010/main" val="2963170825"/>
+        <p14:creationId xmlns:p14="http://schemas.microsoft.com/office/powerpoint/2010/main" val="1823308289"/>
       </p:ext>
     </p:extLst>
   </p:cSld>
@@ -4543,7 +5353,7 @@
           <p:cNvPr id="2" name="Title 1">
             <a:extLst>
               <a:ext uri="{FF2B5EF4-FFF2-40B4-BE49-F238E27FC236}">
-                <a16:creationId xmlns:a16="http://schemas.microsoft.com/office/drawing/2014/main" id="{A517D67C-6423-57F3-770F-C26E29F992EC}"/>
+                <a16:creationId xmlns:a16="http://schemas.microsoft.com/office/drawing/2014/main" id="{DFB0FE77-0B0C-A09A-164C-DB8F4797073E}"/>
               </a:ext>
             </a:extLst>
           </p:cNvPr>
@@ -4561,163 +5371,45 @@
           <a:p>
             <a:r>
               <a:rPr lang="en-IN" dirty="0"/>
-              <a:t>Matrix generators</a:t>
-            </a:r>
-          </a:p>
-        </p:txBody>
-      </p:sp>
-      <p:sp>
-        <p:nvSpPr>
-          <p:cNvPr id="3" name="Content Placeholder 2">
-            <a:extLst>
-              <a:ext uri="{FF2B5EF4-FFF2-40B4-BE49-F238E27FC236}">
-                <a16:creationId xmlns:a16="http://schemas.microsoft.com/office/drawing/2014/main" id="{0EBF9141-344C-B43F-1D3F-ACFEE495B02E}"/>
-              </a:ext>
-            </a:extLst>
-          </p:cNvPr>
-          <p:cNvSpPr>
-            <a:spLocks noGrp="1"/>
-          </p:cNvSpPr>
-          <p:nvPr>
-            <p:ph idx="1"/>
-          </p:nvPr>
-        </p:nvSpPr>
-        <p:spPr/>
-        <p:txBody>
-          <a:bodyPr>
-            <a:normAutofit fontScale="77500" lnSpcReduction="20000"/>
-          </a:bodyPr>
-          <a:lstStyle/>
-          <a:p>
-            <a:pPr marL="0" indent="0">
-              <a:buNone/>
-            </a:pPr>
-            <a:r>
-              <a:rPr lang="en-IN" dirty="0"/>
-              <a:t> generators:</a:t>
-            </a:r>
-          </a:p>
-          <a:p>
-            <a:pPr marL="0" indent="0">
-              <a:buNone/>
-            </a:pPr>
-            <a:r>
-              <a:rPr lang="en-IN" dirty="0"/>
-              <a:t>    - list:</a:t>
-            </a:r>
-          </a:p>
-          <a:p>
-            <a:pPr marL="0" indent="0">
-              <a:buNone/>
-            </a:pPr>
-            <a:r>
-              <a:rPr lang="en-IN" dirty="0"/>
-              <a:t>        elements:</a:t>
-            </a:r>
-          </a:p>
-          <a:p>
-            <a:pPr marL="0" indent="0">
-              <a:buNone/>
-            </a:pPr>
-            <a:r>
-              <a:rPr lang="en-IN" dirty="0"/>
-              <a:t>          - cluster: cluster1</a:t>
-            </a:r>
-          </a:p>
-          <a:p>
-            <a:pPr marL="0" indent="0">
-              <a:buNone/>
-            </a:pPr>
-            <a:r>
-              <a:rPr lang="en-IN" dirty="0"/>
-              <a:t>            url: https://cluster1.example.com</a:t>
-            </a:r>
-          </a:p>
-          <a:p>
-            <a:pPr marL="0" indent="0">
-              <a:buNone/>
-            </a:pPr>
-            <a:r>
-              <a:rPr lang="en-IN" dirty="0"/>
-              <a:t>          - cluster: cluster2</a:t>
-            </a:r>
-          </a:p>
-          <a:p>
-            <a:pPr marL="0" indent="0">
-              <a:buNone/>
-            </a:pPr>
-            <a:r>
-              <a:rPr lang="en-IN" dirty="0"/>
-              <a:t>            url: https://cluster2.example.com</a:t>
-            </a:r>
-          </a:p>
-          <a:p>
-            <a:pPr marL="0" indent="0">
-              <a:buNone/>
-            </a:pPr>
-            <a:r>
-              <a:rPr lang="en-IN" dirty="0"/>
-              <a:t>    - git:</a:t>
-            </a:r>
-          </a:p>
-          <a:p>
-            <a:pPr marL="0" indent="0">
-              <a:buNone/>
-            </a:pPr>
-            <a:r>
-              <a:rPr lang="en-IN" dirty="0"/>
-              <a:t>        </a:t>
-            </a:r>
-            <a:r>
-              <a:rPr lang="en-IN" dirty="0" err="1"/>
-              <a:t>repoURL</a:t>
-            </a:r>
-            <a:r>
-              <a:rPr lang="en-IN" dirty="0"/>
-              <a:t>: 'https://github.com/your-org/your-</a:t>
-            </a:r>
-            <a:r>
-              <a:rPr lang="en-IN" dirty="0" err="1"/>
-              <a:t>repo.git</a:t>
-            </a:r>
-            <a:r>
-              <a:rPr lang="en-IN" dirty="0"/>
-              <a:t>'</a:t>
-            </a:r>
-          </a:p>
-          <a:p>
-            <a:pPr marL="0" indent="0">
-              <a:buNone/>
-            </a:pPr>
-            <a:r>
-              <a:rPr lang="en-IN" dirty="0"/>
-              <a:t>        revision: main</a:t>
-            </a:r>
-          </a:p>
-          <a:p>
-            <a:pPr marL="0" indent="0">
-              <a:buNone/>
-            </a:pPr>
-            <a:r>
-              <a:rPr lang="en-IN" dirty="0"/>
-              <a:t>        directories:</a:t>
-            </a:r>
-          </a:p>
-          <a:p>
-            <a:pPr marL="0" indent="0">
-              <a:buNone/>
-            </a:pPr>
-            <a:r>
-              <a:rPr lang="en-IN" dirty="0"/>
-              <a:t>          - path: 'services/*'</a:t>
-            </a:r>
-          </a:p>
-        </p:txBody>
-      </p:sp>
+              <a:t>..</a:t>
+            </a:r>
+          </a:p>
+        </p:txBody>
+      </p:sp>
+      <p:pic>
+        <p:nvPicPr>
+          <p:cNvPr id="5" name="Picture 4">
+            <a:extLst>
+              <a:ext uri="{FF2B5EF4-FFF2-40B4-BE49-F238E27FC236}">
+                <a16:creationId xmlns:a16="http://schemas.microsoft.com/office/drawing/2014/main" id="{B7565D62-7FEF-CE40-EFEC-5AA5B42E53AA}"/>
+              </a:ext>
+            </a:extLst>
+          </p:cNvPr>
+          <p:cNvPicPr>
+            <a:picLocks noChangeAspect="1"/>
+          </p:cNvPicPr>
+          <p:nvPr/>
+        </p:nvPicPr>
+        <p:blipFill>
+          <a:blip r:embed="rId2"/>
+          <a:stretch>
+            <a:fillRect/>
+          </a:stretch>
+        </p:blipFill>
+        <p:spPr>
+          <a:xfrm>
+            <a:off x="1469572" y="2038278"/>
+            <a:ext cx="7306266" cy="4231893"/>
+          </a:xfrm>
+          <a:prstGeom prst="rect">
+            <a:avLst/>
+          </a:prstGeom>
+        </p:spPr>
+      </p:pic>
     </p:spTree>
     <p:extLst>
       <p:ext uri="{BB962C8B-B14F-4D97-AF65-F5344CB8AC3E}">
-        <p14:creationId xmlns:p14="http://schemas.microsoft.com/office/powerpoint/2010/main" val="2607755234"/>
+        <p14:creationId xmlns:p14="http://schemas.microsoft.com/office/powerpoint/2010/main" val="1501280071"/>
       </p:ext>
     </p:extLst>
   </p:cSld>
@@ -4749,7 +5441,7 @@
           <p:cNvPr id="2" name="Title 1">
             <a:extLst>
               <a:ext uri="{FF2B5EF4-FFF2-40B4-BE49-F238E27FC236}">
-                <a16:creationId xmlns:a16="http://schemas.microsoft.com/office/drawing/2014/main" id="{DE11A392-9E92-4A0C-9005-BF0AC2ABDE79}"/>
+                <a16:creationId xmlns:a16="http://schemas.microsoft.com/office/drawing/2014/main" id="{B9AAE72C-573D-B3C1-BD13-3D3169ECCFDF}"/>
               </a:ext>
             </a:extLst>
           </p:cNvPr>
@@ -4767,40 +5459,45 @@
           <a:p>
             <a:r>
               <a:rPr lang="en-IN" dirty="0"/>
-              <a:t>Labs</a:t>
-            </a:r>
-          </a:p>
-        </p:txBody>
-      </p:sp>
-      <p:sp>
-        <p:nvSpPr>
-          <p:cNvPr id="3" name="Content Placeholder 2">
-            <a:extLst>
-              <a:ext uri="{FF2B5EF4-FFF2-40B4-BE49-F238E27FC236}">
-                <a16:creationId xmlns:a16="http://schemas.microsoft.com/office/drawing/2014/main" id="{88A27183-6D28-A937-C168-F70FC1D6D586}"/>
-              </a:ext>
-            </a:extLst>
-          </p:cNvPr>
-          <p:cNvSpPr>
-            <a:spLocks noGrp="1"/>
-          </p:cNvSpPr>
-          <p:nvPr>
-            <p:ph idx="1"/>
-          </p:nvPr>
-        </p:nvSpPr>
-        <p:spPr/>
-        <p:txBody>
-          <a:bodyPr/>
-          <a:lstStyle/>
-          <a:p>
-            <a:endParaRPr lang="en-IN" dirty="0"/>
-          </a:p>
-        </p:txBody>
-      </p:sp>
+              <a:t>EKS Cluster</a:t>
+            </a:r>
+          </a:p>
+        </p:txBody>
+      </p:sp>
+      <p:pic>
+        <p:nvPicPr>
+          <p:cNvPr id="5" name="Picture 4">
+            <a:extLst>
+              <a:ext uri="{FF2B5EF4-FFF2-40B4-BE49-F238E27FC236}">
+                <a16:creationId xmlns:a16="http://schemas.microsoft.com/office/drawing/2014/main" id="{3E62B76B-1CD8-ED92-16C2-1AB9D75573C0}"/>
+              </a:ext>
+            </a:extLst>
+          </p:cNvPr>
+          <p:cNvPicPr>
+            <a:picLocks noChangeAspect="1"/>
+          </p:cNvPicPr>
+          <p:nvPr/>
+        </p:nvPicPr>
+        <p:blipFill>
+          <a:blip r:embed="rId2"/>
+          <a:stretch>
+            <a:fillRect/>
+          </a:stretch>
+        </p:blipFill>
+        <p:spPr>
+          <a:xfrm>
+            <a:off x="1099457" y="1704886"/>
+            <a:ext cx="9231086" cy="4608828"/>
+          </a:xfrm>
+          <a:prstGeom prst="rect">
+            <a:avLst/>
+          </a:prstGeom>
+        </p:spPr>
+      </p:pic>
     </p:spTree>
     <p:extLst>
       <p:ext uri="{BB962C8B-B14F-4D97-AF65-F5344CB8AC3E}">
-        <p14:creationId xmlns:p14="http://schemas.microsoft.com/office/powerpoint/2010/main" val="4175960029"/>
+        <p14:creationId xmlns:p14="http://schemas.microsoft.com/office/powerpoint/2010/main" val="2066769192"/>
       </p:ext>
     </p:extLst>
   </p:cSld>
